--- a/How to use Golgi convex hull program.pptx
+++ b/How to use Golgi convex hull program.pptx
@@ -5,10 +5,14 @@
     <p:sldMasterId id="2147483648" r:id="rId1"/>
   </p:sldMasterIdLst>
   <p:sldIdLst>
-    <p:sldId id="259" r:id="rId2"/>
-    <p:sldId id="262" r:id="rId3"/>
-    <p:sldId id="260" r:id="rId4"/>
-    <p:sldId id="261" r:id="rId5"/>
+    <p:sldId id="263" r:id="rId2"/>
+    <p:sldId id="259" r:id="rId3"/>
+    <p:sldId id="262" r:id="rId4"/>
+    <p:sldId id="264" r:id="rId5"/>
+    <p:sldId id="266" r:id="rId6"/>
+    <p:sldId id="265" r:id="rId7"/>
+    <p:sldId id="268" r:id="rId8"/>
+    <p:sldId id="267" r:id="rId9"/>
   </p:sldIdLst>
   <p:sldSz cx="12192000" cy="6858000"/>
   <p:notesSz cx="6858000" cy="9144000"/>
@@ -262,7 +266,7 @@
           <a:p>
             <a:fld id="{BB7BBEEA-049F-4714-AD10-4A93BB40A57E}" type="datetimeFigureOut">
               <a:rPr lang="en-US" smtClean="0"/>
-              <a:t>5/3/2025</a:t>
+              <a:t>5/6/2025</a:t>
             </a:fld>
             <a:endParaRPr lang="en-US"/>
           </a:p>
@@ -460,7 +464,7 @@
           <a:p>
             <a:fld id="{BB7BBEEA-049F-4714-AD10-4A93BB40A57E}" type="datetimeFigureOut">
               <a:rPr lang="en-US" smtClean="0"/>
-              <a:t>5/3/2025</a:t>
+              <a:t>5/6/2025</a:t>
             </a:fld>
             <a:endParaRPr lang="en-US"/>
           </a:p>
@@ -668,7 +672,7 @@
           <a:p>
             <a:fld id="{BB7BBEEA-049F-4714-AD10-4A93BB40A57E}" type="datetimeFigureOut">
               <a:rPr lang="en-US" smtClean="0"/>
-              <a:t>5/3/2025</a:t>
+              <a:t>5/6/2025</a:t>
             </a:fld>
             <a:endParaRPr lang="en-US"/>
           </a:p>
@@ -866,7 +870,7 @@
           <a:p>
             <a:fld id="{BB7BBEEA-049F-4714-AD10-4A93BB40A57E}" type="datetimeFigureOut">
               <a:rPr lang="en-US" smtClean="0"/>
-              <a:t>5/3/2025</a:t>
+              <a:t>5/6/2025</a:t>
             </a:fld>
             <a:endParaRPr lang="en-US"/>
           </a:p>
@@ -1141,7 +1145,7 @@
           <a:p>
             <a:fld id="{BB7BBEEA-049F-4714-AD10-4A93BB40A57E}" type="datetimeFigureOut">
               <a:rPr lang="en-US" smtClean="0"/>
-              <a:t>5/3/2025</a:t>
+              <a:t>5/6/2025</a:t>
             </a:fld>
             <a:endParaRPr lang="en-US"/>
           </a:p>
@@ -1406,7 +1410,7 @@
           <a:p>
             <a:fld id="{BB7BBEEA-049F-4714-AD10-4A93BB40A57E}" type="datetimeFigureOut">
               <a:rPr lang="en-US" smtClean="0"/>
-              <a:t>5/3/2025</a:t>
+              <a:t>5/6/2025</a:t>
             </a:fld>
             <a:endParaRPr lang="en-US"/>
           </a:p>
@@ -1818,7 +1822,7 @@
           <a:p>
             <a:fld id="{BB7BBEEA-049F-4714-AD10-4A93BB40A57E}" type="datetimeFigureOut">
               <a:rPr lang="en-US" smtClean="0"/>
-              <a:t>5/3/2025</a:t>
+              <a:t>5/6/2025</a:t>
             </a:fld>
             <a:endParaRPr lang="en-US"/>
           </a:p>
@@ -1959,7 +1963,7 @@
           <a:p>
             <a:fld id="{BB7BBEEA-049F-4714-AD10-4A93BB40A57E}" type="datetimeFigureOut">
               <a:rPr lang="en-US" smtClean="0"/>
-              <a:t>5/3/2025</a:t>
+              <a:t>5/6/2025</a:t>
             </a:fld>
             <a:endParaRPr lang="en-US"/>
           </a:p>
@@ -2072,7 +2076,7 @@
           <a:p>
             <a:fld id="{BB7BBEEA-049F-4714-AD10-4A93BB40A57E}" type="datetimeFigureOut">
               <a:rPr lang="en-US" smtClean="0"/>
-              <a:t>5/3/2025</a:t>
+              <a:t>5/6/2025</a:t>
             </a:fld>
             <a:endParaRPr lang="en-US"/>
           </a:p>
@@ -2383,7 +2387,7 @@
           <a:p>
             <a:fld id="{BB7BBEEA-049F-4714-AD10-4A93BB40A57E}" type="datetimeFigureOut">
               <a:rPr lang="en-US" smtClean="0"/>
-              <a:t>5/3/2025</a:t>
+              <a:t>5/6/2025</a:t>
             </a:fld>
             <a:endParaRPr lang="en-US"/>
           </a:p>
@@ -2671,7 +2675,7 @@
           <a:p>
             <a:fld id="{BB7BBEEA-049F-4714-AD10-4A93BB40A57E}" type="datetimeFigureOut">
               <a:rPr lang="en-US" smtClean="0"/>
-              <a:t>5/3/2025</a:t>
+              <a:t>5/6/2025</a:t>
             </a:fld>
             <a:endParaRPr lang="en-US"/>
           </a:p>
@@ -2912,7 +2916,7 @@
           <a:p>
             <a:fld id="{BB7BBEEA-049F-4714-AD10-4A93BB40A57E}" type="datetimeFigureOut">
               <a:rPr lang="en-US" smtClean="0"/>
-              <a:t>5/3/2025</a:t>
+              <a:t>5/6/2025</a:t>
             </a:fld>
             <a:endParaRPr lang="en-US"/>
           </a:p>
@@ -3334,6 +3338,96 @@
           <p:cNvPr id="2" name="Title 1">
             <a:extLst>
               <a:ext uri="{FF2B5EF4-FFF2-40B4-BE49-F238E27FC236}">
+                <a16:creationId xmlns:a16="http://schemas.microsoft.com/office/drawing/2014/main" id="{24905CAD-C351-9944-BFEA-C52AC1405CB1}"/>
+              </a:ext>
+            </a:extLst>
+          </p:cNvPr>
+          <p:cNvSpPr>
+            <a:spLocks noGrp="1"/>
+          </p:cNvSpPr>
+          <p:nvPr>
+            <p:ph type="ctrTitle"/>
+          </p:nvPr>
+        </p:nvSpPr>
+        <p:spPr/>
+        <p:txBody>
+          <a:bodyPr>
+            <a:normAutofit/>
+          </a:bodyPr>
+          <a:lstStyle/>
+          <a:p>
+            <a:r>
+              <a:rPr lang="en-US" sz="3500" dirty="0">
+                <a:latin typeface="+mn-lt"/>
+              </a:rPr>
+              <a:t>How to use the Golgi Convex Hull program</a:t>
+            </a:r>
+          </a:p>
+        </p:txBody>
+      </p:sp>
+      <p:sp>
+        <p:nvSpPr>
+          <p:cNvPr id="3" name="Subtitle 2">
+            <a:extLst>
+              <a:ext uri="{FF2B5EF4-FFF2-40B4-BE49-F238E27FC236}">
+                <a16:creationId xmlns:a16="http://schemas.microsoft.com/office/drawing/2014/main" id="{69431998-FB6B-EA9F-832E-A2FC52583C45}"/>
+              </a:ext>
+            </a:extLst>
+          </p:cNvPr>
+          <p:cNvSpPr>
+            <a:spLocks noGrp="1"/>
+          </p:cNvSpPr>
+          <p:nvPr>
+            <p:ph type="subTitle" idx="1"/>
+          </p:nvPr>
+        </p:nvSpPr>
+        <p:spPr/>
+        <p:txBody>
+          <a:bodyPr/>
+          <a:lstStyle/>
+          <a:p>
+            <a:r>
+              <a:rPr lang="en-US" dirty="0"/>
+              <a:t>Seoyoung Park</a:t>
+            </a:r>
+          </a:p>
+        </p:txBody>
+      </p:sp>
+    </p:spTree>
+    <p:extLst>
+      <p:ext uri="{BB962C8B-B14F-4D97-AF65-F5344CB8AC3E}">
+        <p14:creationId xmlns:p14="http://schemas.microsoft.com/office/powerpoint/2010/main" val="1622239590"/>
+      </p:ext>
+    </p:extLst>
+  </p:cSld>
+  <p:clrMapOvr>
+    <a:masterClrMapping/>
+  </p:clrMapOvr>
+</p:sld>
+</file>
+
+<file path=ppt/slides/slide2.xml><?xml version="1.0" encoding="utf-8"?>
+<p:sld xmlns:a="http://schemas.openxmlformats.org/drawingml/2006/main" xmlns:r="http://schemas.openxmlformats.org/officeDocument/2006/relationships" xmlns:p="http://schemas.openxmlformats.org/presentationml/2006/main">
+  <p:cSld>
+    <p:spTree>
+      <p:nvGrpSpPr>
+        <p:cNvPr id="1" name=""/>
+        <p:cNvGrpSpPr/>
+        <p:nvPr/>
+      </p:nvGrpSpPr>
+      <p:grpSpPr>
+        <a:xfrm>
+          <a:off x="0" y="0"/>
+          <a:ext cx="0" cy="0"/>
+          <a:chOff x="0" y="0"/>
+          <a:chExt cx="0" cy="0"/>
+        </a:xfrm>
+      </p:grpSpPr>
+      <p:sp>
+        <p:nvSpPr>
+          <p:cNvPr id="2" name="Title 1">
+            <a:extLst>
+              <a:ext uri="{FF2B5EF4-FFF2-40B4-BE49-F238E27FC236}">
                 <a16:creationId xmlns:a16="http://schemas.microsoft.com/office/drawing/2014/main" id="{3C34C65D-DC62-5D61-7274-4B300B11CEF1}"/>
               </a:ext>
             </a:extLst>
@@ -3557,7 +3651,7 @@
 </p:sld>
 </file>
 
-<file path=ppt/slides/slide2.xml><?xml version="1.0" encoding="utf-8"?>
+<file path=ppt/slides/slide3.xml><?xml version="1.0" encoding="utf-8"?>
 <p:sld xmlns:a="http://schemas.openxmlformats.org/drawingml/2006/main" xmlns:r="http://schemas.openxmlformats.org/officeDocument/2006/relationships" xmlns:p="http://schemas.openxmlformats.org/presentationml/2006/main">
   <p:cSld>
     <p:spTree>
@@ -3592,7 +3686,7 @@
         </p:nvSpPr>
         <p:spPr>
           <a:xfrm>
-            <a:off x="119942" y="-104940"/>
+            <a:off x="870599" y="186935"/>
             <a:ext cx="10515600" cy="1325563"/>
           </a:xfrm>
         </p:spPr>
@@ -3605,7 +3699,7 @@
                 <a:latin typeface="Arial" panose="020B0604020202020204" pitchFamily="34" charset="0"/>
                 <a:cs typeface="Arial" panose="020B0604020202020204" pitchFamily="34" charset="0"/>
               </a:rPr>
-              <a:t>Example</a:t>
+              <a:t>Example of program results</a:t>
             </a:r>
           </a:p>
         </p:txBody>
@@ -3729,7 +3823,289 @@
 </p:sld>
 </file>
 
-<file path=ppt/slides/slide3.xml><?xml version="1.0" encoding="utf-8"?>
+<file path=ppt/slides/slide4.xml><?xml version="1.0" encoding="utf-8"?>
+<p:sld xmlns:a="http://schemas.openxmlformats.org/drawingml/2006/main" xmlns:r="http://schemas.openxmlformats.org/officeDocument/2006/relationships" xmlns:p="http://schemas.openxmlformats.org/presentationml/2006/main">
+  <p:cSld>
+    <p:spTree>
+      <p:nvGrpSpPr>
+        <p:cNvPr id="1" name="">
+          <a:extLst>
+            <a:ext uri="{FF2B5EF4-FFF2-40B4-BE49-F238E27FC236}">
+              <a16:creationId xmlns:a16="http://schemas.microsoft.com/office/drawing/2014/main" id="{94BC3CAA-7111-8880-626B-BE66F9579CBB}"/>
+            </a:ext>
+          </a:extLst>
+        </p:cNvPr>
+        <p:cNvGrpSpPr/>
+        <p:nvPr/>
+      </p:nvGrpSpPr>
+      <p:grpSpPr>
+        <a:xfrm>
+          <a:off x="0" y="0"/>
+          <a:ext cx="0" cy="0"/>
+          <a:chOff x="0" y="0"/>
+          <a:chExt cx="0" cy="0"/>
+        </a:xfrm>
+      </p:grpSpPr>
+      <p:sp>
+        <p:nvSpPr>
+          <p:cNvPr id="2" name="Title 1">
+            <a:extLst>
+              <a:ext uri="{FF2B5EF4-FFF2-40B4-BE49-F238E27FC236}">
+                <a16:creationId xmlns:a16="http://schemas.microsoft.com/office/drawing/2014/main" id="{D2D99639-20BC-A6E1-33EA-42735EC642BA}"/>
+              </a:ext>
+            </a:extLst>
+          </p:cNvPr>
+          <p:cNvSpPr>
+            <a:spLocks noGrp="1"/>
+          </p:cNvSpPr>
+          <p:nvPr>
+            <p:ph type="title"/>
+          </p:nvPr>
+        </p:nvSpPr>
+        <p:spPr>
+          <a:xfrm>
+            <a:off x="677503" y="321642"/>
+            <a:ext cx="10515600" cy="1325563"/>
+          </a:xfrm>
+        </p:spPr>
+        <p:txBody>
+          <a:bodyPr/>
+          <a:lstStyle/>
+          <a:p>
+            <a:r>
+              <a:rPr lang="en-US" dirty="0">
+                <a:latin typeface="Arial" panose="020B0604020202020204" pitchFamily="34" charset="0"/>
+                <a:cs typeface="Arial" panose="020B0604020202020204" pitchFamily="34" charset="0"/>
+              </a:rPr>
+              <a:t>Options</a:t>
+            </a:r>
+          </a:p>
+        </p:txBody>
+      </p:sp>
+      <p:sp>
+        <p:nvSpPr>
+          <p:cNvPr id="3" name="Content Placeholder 2">
+            <a:extLst>
+              <a:ext uri="{FF2B5EF4-FFF2-40B4-BE49-F238E27FC236}">
+                <a16:creationId xmlns:a16="http://schemas.microsoft.com/office/drawing/2014/main" id="{55DE72E0-8DF7-5167-E886-32709A544E07}"/>
+              </a:ext>
+            </a:extLst>
+          </p:cNvPr>
+          <p:cNvSpPr>
+            <a:spLocks noGrp="1"/>
+          </p:cNvSpPr>
+          <p:nvPr>
+            <p:ph idx="1"/>
+          </p:nvPr>
+        </p:nvSpPr>
+        <p:spPr>
+          <a:xfrm>
+            <a:off x="838200" y="1825625"/>
+            <a:ext cx="10515600" cy="4351338"/>
+          </a:xfrm>
+        </p:spPr>
+        <p:txBody>
+          <a:bodyPr/>
+          <a:lstStyle/>
+          <a:p>
+            <a:pPr marL="514350" indent="-514350">
+              <a:buAutoNum type="arabicPeriod"/>
+            </a:pPr>
+            <a:r>
+              <a:rPr lang="en-US" dirty="0">
+                <a:latin typeface="Arial" panose="020B0604020202020204" pitchFamily="34" charset="0"/>
+                <a:cs typeface="Arial" panose="020B0604020202020204" pitchFamily="34" charset="0"/>
+              </a:rPr>
+              <a:t>Run the .exe file (might be slower)</a:t>
+            </a:r>
+          </a:p>
+          <a:p>
+            <a:pPr marL="514350" indent="-514350">
+              <a:buFont typeface="Arial" panose="020B0604020202020204" pitchFamily="34" charset="0"/>
+              <a:buAutoNum type="arabicPeriod"/>
+            </a:pPr>
+            <a:r>
+              <a:rPr lang="en-US" dirty="0">
+                <a:latin typeface="Arial" panose="020B0604020202020204" pitchFamily="34" charset="0"/>
+                <a:cs typeface="Arial" panose="020B0604020202020204" pitchFamily="34" charset="0"/>
+              </a:rPr>
+              <a:t>Install packages/python manually and run program</a:t>
+            </a:r>
+          </a:p>
+          <a:p>
+            <a:pPr marL="0" indent="0">
+              <a:buNone/>
+            </a:pPr>
+            <a:endParaRPr lang="en-US" dirty="0">
+              <a:latin typeface="Arial" panose="020B0604020202020204" pitchFamily="34" charset="0"/>
+              <a:cs typeface="Arial" panose="020B0604020202020204" pitchFamily="34" charset="0"/>
+            </a:endParaRPr>
+          </a:p>
+          <a:p>
+            <a:pPr marL="514350" indent="-514350">
+              <a:buAutoNum type="arabicPeriod"/>
+            </a:pPr>
+            <a:endParaRPr lang="en-US" dirty="0">
+              <a:latin typeface="Arial" panose="020B0604020202020204" pitchFamily="34" charset="0"/>
+              <a:cs typeface="Arial" panose="020B0604020202020204" pitchFamily="34" charset="0"/>
+            </a:endParaRPr>
+          </a:p>
+        </p:txBody>
+      </p:sp>
+    </p:spTree>
+    <p:extLst>
+      <p:ext uri="{BB962C8B-B14F-4D97-AF65-F5344CB8AC3E}">
+        <p14:creationId xmlns:p14="http://schemas.microsoft.com/office/powerpoint/2010/main" val="888370534"/>
+      </p:ext>
+    </p:extLst>
+  </p:cSld>
+  <p:clrMapOvr>
+    <a:masterClrMapping/>
+  </p:clrMapOvr>
+</p:sld>
+</file>
+
+<file path=ppt/slides/slide5.xml><?xml version="1.0" encoding="utf-8"?>
+<p:sld xmlns:a="http://schemas.openxmlformats.org/drawingml/2006/main" xmlns:r="http://schemas.openxmlformats.org/officeDocument/2006/relationships" xmlns:p="http://schemas.openxmlformats.org/presentationml/2006/main">
+  <p:cSld>
+    <p:spTree>
+      <p:nvGrpSpPr>
+        <p:cNvPr id="1" name="">
+          <a:extLst>
+            <a:ext uri="{FF2B5EF4-FFF2-40B4-BE49-F238E27FC236}">
+              <a16:creationId xmlns:a16="http://schemas.microsoft.com/office/drawing/2014/main" id="{9A7FFEAF-C193-68B3-08DC-084CF199D4C8}"/>
+            </a:ext>
+          </a:extLst>
+        </p:cNvPr>
+        <p:cNvGrpSpPr/>
+        <p:nvPr/>
+      </p:nvGrpSpPr>
+      <p:grpSpPr>
+        <a:xfrm>
+          <a:off x="0" y="0"/>
+          <a:ext cx="0" cy="0"/>
+          <a:chOff x="0" y="0"/>
+          <a:chExt cx="0" cy="0"/>
+        </a:xfrm>
+      </p:grpSpPr>
+      <p:sp>
+        <p:nvSpPr>
+          <p:cNvPr id="2" name="Title 1">
+            <a:extLst>
+              <a:ext uri="{FF2B5EF4-FFF2-40B4-BE49-F238E27FC236}">
+                <a16:creationId xmlns:a16="http://schemas.microsoft.com/office/drawing/2014/main" id="{2EFC9B80-17C9-6535-7A22-3DC219B7B454}"/>
+              </a:ext>
+            </a:extLst>
+          </p:cNvPr>
+          <p:cNvSpPr>
+            <a:spLocks noGrp="1"/>
+          </p:cNvSpPr>
+          <p:nvPr>
+            <p:ph type="title"/>
+          </p:nvPr>
+        </p:nvSpPr>
+        <p:spPr>
+          <a:xfrm>
+            <a:off x="537123" y="365125"/>
+            <a:ext cx="10515600" cy="1325563"/>
+          </a:xfrm>
+        </p:spPr>
+        <p:txBody>
+          <a:bodyPr/>
+          <a:lstStyle/>
+          <a:p>
+            <a:r>
+              <a:rPr lang="en-US" dirty="0" err="1">
+                <a:latin typeface="Arial" panose="020B0604020202020204" pitchFamily="34" charset="0"/>
+                <a:cs typeface="Arial" panose="020B0604020202020204" pitchFamily="34" charset="0"/>
+              </a:rPr>
+              <a:t>Prerequisitions</a:t>
+            </a:r>
+            <a:endParaRPr lang="en-US" dirty="0">
+              <a:latin typeface="Arial" panose="020B0604020202020204" pitchFamily="34" charset="0"/>
+              <a:cs typeface="Arial" panose="020B0604020202020204" pitchFamily="34" charset="0"/>
+            </a:endParaRPr>
+          </a:p>
+        </p:txBody>
+      </p:sp>
+      <p:sp>
+        <p:nvSpPr>
+          <p:cNvPr id="3" name="Content Placeholder 2">
+            <a:extLst>
+              <a:ext uri="{FF2B5EF4-FFF2-40B4-BE49-F238E27FC236}">
+                <a16:creationId xmlns:a16="http://schemas.microsoft.com/office/drawing/2014/main" id="{DB5CD7C8-E73C-C28D-20BD-E8E7F9EEFB8A}"/>
+              </a:ext>
+            </a:extLst>
+          </p:cNvPr>
+          <p:cNvSpPr>
+            <a:spLocks noGrp="1"/>
+          </p:cNvSpPr>
+          <p:nvPr>
+            <p:ph idx="1"/>
+          </p:nvPr>
+        </p:nvSpPr>
+        <p:spPr>
+          <a:xfrm>
+            <a:off x="537122" y="1825625"/>
+            <a:ext cx="11654877" cy="4351338"/>
+          </a:xfrm>
+        </p:spPr>
+        <p:txBody>
+          <a:bodyPr/>
+          <a:lstStyle/>
+          <a:p>
+            <a:r>
+              <a:rPr lang="en-US" dirty="0">
+                <a:latin typeface="Arial" panose="020B0604020202020204" pitchFamily="34" charset="0"/>
+                <a:cs typeface="Arial" panose="020B0604020202020204" pitchFamily="34" charset="0"/>
+              </a:rPr>
+              <a:t>ROI area of Golgi needs to be selected </a:t>
+            </a:r>
+            <a:br>
+              <a:rPr lang="en-US" dirty="0">
+                <a:latin typeface="Arial" panose="020B0604020202020204" pitchFamily="34" charset="0"/>
+                <a:cs typeface="Arial" panose="020B0604020202020204" pitchFamily="34" charset="0"/>
+              </a:rPr>
+            </a:br>
+            <a:r>
+              <a:rPr lang="en-US" dirty="0">
+                <a:latin typeface="Arial" panose="020B0604020202020204" pitchFamily="34" charset="0"/>
+                <a:cs typeface="Arial" panose="020B0604020202020204" pitchFamily="34" charset="0"/>
+              </a:rPr>
+              <a:t>(the edges doesn’t have to be precise, only to include the whole Golgi)</a:t>
+            </a:r>
+          </a:p>
+          <a:p>
+            <a:r>
+              <a:rPr lang="en-US" dirty="0">
+                <a:latin typeface="Arial" panose="020B0604020202020204" pitchFamily="34" charset="0"/>
+                <a:cs typeface="Arial" panose="020B0604020202020204" pitchFamily="34" charset="0"/>
+              </a:rPr>
+              <a:t>ROI sets should be saved as a .zip file</a:t>
+            </a:r>
+          </a:p>
+          <a:p>
+            <a:endParaRPr lang="en-US" dirty="0">
+              <a:latin typeface="Arial" panose="020B0604020202020204" pitchFamily="34" charset="0"/>
+              <a:cs typeface="Arial" panose="020B0604020202020204" pitchFamily="34" charset="0"/>
+            </a:endParaRPr>
+          </a:p>
+        </p:txBody>
+      </p:sp>
+    </p:spTree>
+    <p:extLst>
+      <p:ext uri="{BB962C8B-B14F-4D97-AF65-F5344CB8AC3E}">
+        <p14:creationId xmlns:p14="http://schemas.microsoft.com/office/powerpoint/2010/main" val="2119183487"/>
+      </p:ext>
+    </p:extLst>
+  </p:cSld>
+  <p:clrMapOvr>
+    <a:masterClrMapping/>
+  </p:clrMapOvr>
+</p:sld>
+</file>
+
+<file path=ppt/slides/slide6.xml><?xml version="1.0" encoding="utf-8"?>
 <p:sld xmlns:a="http://schemas.openxmlformats.org/drawingml/2006/main" xmlns:r="http://schemas.openxmlformats.org/officeDocument/2006/relationships" xmlns:p="http://schemas.openxmlformats.org/presentationml/2006/main">
   <p:cSld>
     <p:spTree>
@@ -3751,7 +4127,7 @@
           <p:cNvPr id="2" name="Title 1">
             <a:extLst>
               <a:ext uri="{FF2B5EF4-FFF2-40B4-BE49-F238E27FC236}">
-                <a16:creationId xmlns:a16="http://schemas.microsoft.com/office/drawing/2014/main" id="{3548A8D5-D276-A010-34E1-47EDCFD98DE7}"/>
+                <a16:creationId xmlns:a16="http://schemas.microsoft.com/office/drawing/2014/main" id="{A0217560-79D0-2ECA-FD8F-5EEF44A48D57}"/>
               </a:ext>
             </a:extLst>
           </p:cNvPr>
@@ -3768,97 +4144,135 @@
           <a:lstStyle/>
           <a:p>
             <a:r>
-              <a:rPr lang="en-US" dirty="0" err="1">
-                <a:latin typeface="Arial" panose="020B0604020202020204" pitchFamily="34" charset="0"/>
-                <a:cs typeface="Arial" panose="020B0604020202020204" pitchFamily="34" charset="0"/>
+              <a:rPr lang="en-US" dirty="0"/>
+              <a:t>How to run the .exe file</a:t>
+            </a:r>
+          </a:p>
+        </p:txBody>
+      </p:sp>
+      <p:sp>
+        <p:nvSpPr>
+          <p:cNvPr id="3" name="Content Placeholder 2">
+            <a:extLst>
+              <a:ext uri="{FF2B5EF4-FFF2-40B4-BE49-F238E27FC236}">
+                <a16:creationId xmlns:a16="http://schemas.microsoft.com/office/drawing/2014/main" id="{EF1AC132-412A-DFD5-548F-FB73FEED92FB}"/>
+              </a:ext>
+            </a:extLst>
+          </p:cNvPr>
+          <p:cNvSpPr>
+            <a:spLocks noGrp="1"/>
+          </p:cNvSpPr>
+          <p:nvPr>
+            <p:ph idx="1"/>
+          </p:nvPr>
+        </p:nvSpPr>
+        <p:spPr/>
+        <p:txBody>
+          <a:bodyPr>
+            <a:normAutofit/>
+          </a:bodyPr>
+          <a:lstStyle/>
+          <a:p>
+            <a:pPr marL="514350" indent="-514350">
+              <a:buAutoNum type="arabicPeriod"/>
+            </a:pPr>
+            <a:r>
+              <a:rPr lang="en-US" dirty="0"/>
+              <a:t>Extract the .zip file “Golgi_convexhull.exe.zip”</a:t>
+            </a:r>
+          </a:p>
+          <a:p>
+            <a:pPr marL="514350" indent="-514350">
+              <a:buAutoNum type="arabicPeriod"/>
+            </a:pPr>
+            <a:r>
+              <a:rPr lang="en-US" dirty="0"/>
+              <a:t>Under folder “</a:t>
+            </a:r>
+            <a:r>
+              <a:rPr lang="en-US" dirty="0" err="1"/>
+              <a:t>dist</a:t>
+            </a:r>
+            <a:r>
+              <a:rPr lang="en-US" dirty="0"/>
+              <a:t>”, there is “golgi_convexhull.exe”</a:t>
+            </a:r>
+          </a:p>
+          <a:p>
+            <a:pPr marL="514350" indent="-514350">
+              <a:buAutoNum type="arabicPeriod"/>
+            </a:pPr>
+            <a:r>
+              <a:rPr lang="en-US" dirty="0"/>
+              <a:t>Select and run the golgi_convexhull.exe file (might take long initializing)</a:t>
+            </a:r>
+          </a:p>
+          <a:p>
+            <a:pPr marL="514350" indent="-514350">
+              <a:buAutoNum type="arabicPeriod"/>
+            </a:pPr>
+            <a:r>
+              <a:rPr lang="en-US" dirty="0"/>
+              <a:t>Select image file to analyze </a:t>
+            </a:r>
+          </a:p>
+          <a:p>
+            <a:pPr marL="514350" indent="-514350">
+              <a:buAutoNum type="arabicPeriod"/>
+            </a:pPr>
+            <a:r>
+              <a:rPr lang="en-US" dirty="0"/>
+              <a:t>Select ROI sets of the image</a:t>
+            </a:r>
+          </a:p>
+          <a:p>
+            <a:pPr marL="514350" indent="-514350">
+              <a:buAutoNum type="arabicPeriod"/>
+            </a:pPr>
+            <a:r>
+              <a:rPr lang="en-US" dirty="0"/>
+              <a:t>Select the folder to save results</a:t>
+            </a:r>
+          </a:p>
+          <a:p>
+            <a:pPr marL="514350" indent="-514350">
+              <a:buAutoNum type="arabicPeriod"/>
+            </a:pPr>
+            <a:r>
+              <a:rPr lang="en-US" dirty="0"/>
+              <a:t>Enter the length of the scale bar in </a:t>
+            </a:r>
+            <a:r>
+              <a:rPr lang="en-US" dirty="0">
+                <a:latin typeface="+mj-lt"/>
               </a:rPr>
-              <a:t>Prerequisitions</a:t>
-            </a:r>
+              <a:t>micrometers (</a:t>
+            </a:r>
+            <a:r>
+              <a:rPr lang="en-US" b="0" i="0" dirty="0">
+                <a:effectLst/>
+                <a:latin typeface="+mj-lt"/>
+              </a:rPr>
+              <a:t>µm)</a:t>
+            </a:r>
+          </a:p>
+          <a:p>
+            <a:pPr marL="0" indent="0">
+              <a:buNone/>
+            </a:pPr>
             <a:endParaRPr lang="en-US" dirty="0">
-              <a:latin typeface="Arial" panose="020B0604020202020204" pitchFamily="34" charset="0"/>
-              <a:cs typeface="Arial" panose="020B0604020202020204" pitchFamily="34" charset="0"/>
+              <a:latin typeface="+mj-lt"/>
             </a:endParaRPr>
           </a:p>
-        </p:txBody>
-      </p:sp>
-      <p:sp>
-        <p:nvSpPr>
-          <p:cNvPr id="3" name="Content Placeholder 2">
-            <a:extLst>
-              <a:ext uri="{FF2B5EF4-FFF2-40B4-BE49-F238E27FC236}">
-                <a16:creationId xmlns:a16="http://schemas.microsoft.com/office/drawing/2014/main" id="{165E02D3-A0E9-89E5-4AC1-53670E957112}"/>
-              </a:ext>
-            </a:extLst>
-          </p:cNvPr>
-          <p:cNvSpPr>
-            <a:spLocks noGrp="1"/>
-          </p:cNvSpPr>
-          <p:nvPr>
-            <p:ph idx="1"/>
-          </p:nvPr>
-        </p:nvSpPr>
-        <p:spPr/>
-        <p:txBody>
-          <a:bodyPr/>
-          <a:lstStyle/>
-          <a:p>
-            <a:r>
-              <a:rPr lang="en-US" dirty="0">
-                <a:latin typeface="Arial" panose="020B0604020202020204" pitchFamily="34" charset="0"/>
-                <a:cs typeface="Arial" panose="020B0604020202020204" pitchFamily="34" charset="0"/>
-              </a:rPr>
-              <a:t>Install Anaconda (including Python)</a:t>
-            </a:r>
-            <a:br>
-              <a:rPr lang="en-US" dirty="0">
-                <a:latin typeface="Arial" panose="020B0604020202020204" pitchFamily="34" charset="0"/>
-                <a:cs typeface="Arial" panose="020B0604020202020204" pitchFamily="34" charset="0"/>
-              </a:rPr>
-            </a:br>
-            <a:r>
-              <a:rPr lang="en-US" dirty="0">
-                <a:latin typeface="Arial" panose="020B0604020202020204" pitchFamily="34" charset="0"/>
-                <a:cs typeface="Arial" panose="020B0604020202020204" pitchFamily="34" charset="0"/>
-              </a:rPr>
-              <a:t>(</a:t>
-            </a:r>
-            <a:r>
-              <a:rPr lang="en-US" dirty="0">
-                <a:latin typeface="Arial" panose="020B0604020202020204" pitchFamily="34" charset="0"/>
-                <a:cs typeface="Arial" panose="020B0604020202020204" pitchFamily="34" charset="0"/>
-                <a:hlinkClick r:id="rId2"/>
-              </a:rPr>
-              <a:t>https://www.anaconda.com/download</a:t>
-            </a:r>
-            <a:r>
-              <a:rPr lang="en-US" dirty="0">
-                <a:latin typeface="Arial" panose="020B0604020202020204" pitchFamily="34" charset="0"/>
-                <a:cs typeface="Arial" panose="020B0604020202020204" pitchFamily="34" charset="0"/>
-              </a:rPr>
-              <a:t>)</a:t>
-            </a:r>
-          </a:p>
-          <a:p>
-            <a:r>
-              <a:rPr lang="en-US" dirty="0">
-                <a:latin typeface="Arial" panose="020B0604020202020204" pitchFamily="34" charset="0"/>
-                <a:cs typeface="Arial" panose="020B0604020202020204" pitchFamily="34" charset="0"/>
-              </a:rPr>
-              <a:t>ROI area needs to be selected &amp; saved as .zip file</a:t>
-            </a:r>
-          </a:p>
-          <a:p>
-            <a:endParaRPr lang="en-US" dirty="0">
-              <a:latin typeface="Arial" panose="020B0604020202020204" pitchFamily="34" charset="0"/>
-              <a:cs typeface="Arial" panose="020B0604020202020204" pitchFamily="34" charset="0"/>
-            </a:endParaRPr>
+          <a:p>
+            <a:endParaRPr lang="en-US" dirty="0"/>
           </a:p>
         </p:txBody>
       </p:sp>
     </p:spTree>
     <p:extLst>
       <p:ext uri="{BB962C8B-B14F-4D97-AF65-F5344CB8AC3E}">
-        <p14:creationId xmlns:p14="http://schemas.microsoft.com/office/powerpoint/2010/main" val="2353073453"/>
+        <p14:creationId xmlns:p14="http://schemas.microsoft.com/office/powerpoint/2010/main" val="2795200894"/>
       </p:ext>
     </p:extLst>
   </p:cSld>
@@ -3868,7 +4282,7 @@
 </p:sld>
 </file>
 
-<file path=ppt/slides/slide4.xml><?xml version="1.0" encoding="utf-8"?>
+<file path=ppt/slides/slide7.xml><?xml version="1.0" encoding="utf-8"?>
 <p:sld xmlns:a="http://schemas.openxmlformats.org/drawingml/2006/main" xmlns:r="http://schemas.openxmlformats.org/officeDocument/2006/relationships" xmlns:p="http://schemas.openxmlformats.org/presentationml/2006/main">
   <p:cSld>
     <p:spTree>
@@ -3890,7 +4304,7 @@
           <p:cNvPr id="2" name="Title 1">
             <a:extLst>
               <a:ext uri="{FF2B5EF4-FFF2-40B4-BE49-F238E27FC236}">
-                <a16:creationId xmlns:a16="http://schemas.microsoft.com/office/drawing/2014/main" id="{4F88D6E0-0356-AECE-B7D4-DEDA254403C4}"/>
+                <a16:creationId xmlns:a16="http://schemas.microsoft.com/office/drawing/2014/main" id="{8BB1F199-A075-570B-309D-96C2414F68FB}"/>
               </a:ext>
             </a:extLst>
           </p:cNvPr>
@@ -3907,25 +4321,18 @@
           <a:lstStyle/>
           <a:p>
             <a:r>
-              <a:rPr lang="en-US" dirty="0" err="1">
-                <a:latin typeface="Arial" panose="020B0604020202020204" pitchFamily="34" charset="0"/>
-                <a:cs typeface="Arial" panose="020B0604020202020204" pitchFamily="34" charset="0"/>
-              </a:rPr>
-              <a:t>Prerequisitions</a:t>
-            </a:r>
-            <a:endParaRPr lang="en-US" dirty="0">
-              <a:latin typeface="Arial" panose="020B0604020202020204" pitchFamily="34" charset="0"/>
-              <a:cs typeface="Arial" panose="020B0604020202020204" pitchFamily="34" charset="0"/>
-            </a:endParaRPr>
-          </a:p>
-        </p:txBody>
-      </p:sp>
-      <p:sp>
-        <p:nvSpPr>
-          <p:cNvPr id="3" name="Content Placeholder 2">
-            <a:extLst>
-              <a:ext uri="{FF2B5EF4-FFF2-40B4-BE49-F238E27FC236}">
-                <a16:creationId xmlns:a16="http://schemas.microsoft.com/office/drawing/2014/main" id="{CCA3B551-2A01-78E7-293B-CCA8F78511F9}"/>
+              <a:rPr lang="en-US" dirty="0"/>
+              <a:t>How to run through Python environment</a:t>
+            </a:r>
+          </a:p>
+        </p:txBody>
+      </p:sp>
+      <p:sp>
+        <p:nvSpPr>
+          <p:cNvPr id="6" name="Content Placeholder 2">
+            <a:extLst>
+              <a:ext uri="{FF2B5EF4-FFF2-40B4-BE49-F238E27FC236}">
+                <a16:creationId xmlns:a16="http://schemas.microsoft.com/office/drawing/2014/main" id="{BE712A08-7040-8F23-5B91-E087DB10C161}"/>
               </a:ext>
             </a:extLst>
           </p:cNvPr>
@@ -3943,8 +4350,39 @@
           </a:xfrm>
         </p:spPr>
         <p:txBody>
-          <a:bodyPr/>
-          <a:lstStyle/>
+          <a:bodyPr>
+            <a:normAutofit/>
+          </a:bodyPr>
+          <a:lstStyle/>
+          <a:p>
+            <a:r>
+              <a:rPr lang="en-US" dirty="0"/>
+              <a:t>Install Anaconda </a:t>
+            </a:r>
+            <a:r>
+              <a:rPr lang="en-US" dirty="0">
+                <a:latin typeface="Arial" panose="020B0604020202020204" pitchFamily="34" charset="0"/>
+                <a:cs typeface="Arial" panose="020B0604020202020204" pitchFamily="34" charset="0"/>
+              </a:rPr>
+              <a:t>(</a:t>
+            </a:r>
+            <a:r>
+              <a:rPr lang="en-US" dirty="0">
+                <a:latin typeface="Arial" panose="020B0604020202020204" pitchFamily="34" charset="0"/>
+                <a:cs typeface="Arial" panose="020B0604020202020204" pitchFamily="34" charset="0"/>
+                <a:hlinkClick r:id="rId2"/>
+              </a:rPr>
+              <a:t>https://www.anaconda.com/download</a:t>
+            </a:r>
+            <a:r>
+              <a:rPr lang="en-US" dirty="0">
+                <a:latin typeface="Arial" panose="020B0604020202020204" pitchFamily="34" charset="0"/>
+                <a:cs typeface="Arial" panose="020B0604020202020204" pitchFamily="34" charset="0"/>
+              </a:rPr>
+              <a:t>)</a:t>
+            </a:r>
+            <a:endParaRPr lang="en-US" dirty="0"/>
+          </a:p>
           <a:p>
             <a:r>
               <a:rPr lang="en-US" dirty="0"/>
@@ -4033,10 +4471,10 @@
       </p:sp>
       <p:pic>
         <p:nvPicPr>
-          <p:cNvPr id="5" name="Picture 4">
-            <a:extLst>
-              <a:ext uri="{FF2B5EF4-FFF2-40B4-BE49-F238E27FC236}">
-                <a16:creationId xmlns:a16="http://schemas.microsoft.com/office/drawing/2014/main" id="{6AC037EE-EADF-BC31-2840-932E331639C7}"/>
+          <p:cNvPr id="7" name="Picture 6">
+            <a:extLst>
+              <a:ext uri="{FF2B5EF4-FFF2-40B4-BE49-F238E27FC236}">
+                <a16:creationId xmlns:a16="http://schemas.microsoft.com/office/drawing/2014/main" id="{1CEF060E-4623-DE00-F321-D00427ECCA7E}"/>
               </a:ext>
             </a:extLst>
           </p:cNvPr>
@@ -4046,15 +4484,15 @@
           <p:nvPr/>
         </p:nvPicPr>
         <p:blipFill>
-          <a:blip r:embed="rId2"/>
+          <a:blip r:embed="rId3"/>
           <a:stretch>
             <a:fillRect/>
           </a:stretch>
         </p:blipFill>
         <p:spPr>
           <a:xfrm>
-            <a:off x="9517810" y="396815"/>
-            <a:ext cx="2340858" cy="2587745"/>
+            <a:off x="9622369" y="2471978"/>
+            <a:ext cx="1731431" cy="1914043"/>
           </a:xfrm>
           <a:prstGeom prst="rect">
             <a:avLst/>
@@ -4064,7 +4502,186 @@
     </p:spTree>
     <p:extLst>
       <p:ext uri="{BB962C8B-B14F-4D97-AF65-F5344CB8AC3E}">
-        <p14:creationId xmlns:p14="http://schemas.microsoft.com/office/powerpoint/2010/main" val="2089611703"/>
+        <p14:creationId xmlns:p14="http://schemas.microsoft.com/office/powerpoint/2010/main" val="972150619"/>
+      </p:ext>
+    </p:extLst>
+  </p:cSld>
+  <p:clrMapOvr>
+    <a:masterClrMapping/>
+  </p:clrMapOvr>
+</p:sld>
+</file>
+
+<file path=ppt/slides/slide8.xml><?xml version="1.0" encoding="utf-8"?>
+<p:sld xmlns:a="http://schemas.openxmlformats.org/drawingml/2006/main" xmlns:r="http://schemas.openxmlformats.org/officeDocument/2006/relationships" xmlns:p="http://schemas.openxmlformats.org/presentationml/2006/main">
+  <p:cSld>
+    <p:spTree>
+      <p:nvGrpSpPr>
+        <p:cNvPr id="1" name=""/>
+        <p:cNvGrpSpPr/>
+        <p:nvPr/>
+      </p:nvGrpSpPr>
+      <p:grpSpPr>
+        <a:xfrm>
+          <a:off x="0" y="0"/>
+          <a:ext cx="0" cy="0"/>
+          <a:chOff x="0" y="0"/>
+          <a:chExt cx="0" cy="0"/>
+        </a:xfrm>
+      </p:grpSpPr>
+      <p:sp>
+        <p:nvSpPr>
+          <p:cNvPr id="3" name="Content Placeholder 2">
+            <a:extLst>
+              <a:ext uri="{FF2B5EF4-FFF2-40B4-BE49-F238E27FC236}">
+                <a16:creationId xmlns:a16="http://schemas.microsoft.com/office/drawing/2014/main" id="{4FE62A7F-6080-436C-C628-49C8C51A214C}"/>
+              </a:ext>
+            </a:extLst>
+          </p:cNvPr>
+          <p:cNvSpPr>
+            <a:spLocks noGrp="1"/>
+          </p:cNvSpPr>
+          <p:nvPr>
+            <p:ph idx="1"/>
+          </p:nvPr>
+        </p:nvSpPr>
+        <p:spPr/>
+        <p:txBody>
+          <a:bodyPr/>
+          <a:lstStyle/>
+          <a:p>
+            <a:r>
+              <a:rPr lang="en-US" dirty="0"/>
+              <a:t>Run .</a:t>
+            </a:r>
+            <a:r>
+              <a:rPr lang="en-US" dirty="0" err="1"/>
+              <a:t>ipynb</a:t>
+            </a:r>
+            <a:r>
+              <a:rPr lang="en-US" dirty="0"/>
+              <a:t> file in </a:t>
+            </a:r>
+            <a:r>
+              <a:rPr lang="en-US" dirty="0" err="1"/>
+              <a:t>Jupyter</a:t>
+            </a:r>
+            <a:r>
+              <a:rPr lang="en-US" dirty="0"/>
+              <a:t> notebook</a:t>
+            </a:r>
+          </a:p>
+          <a:p>
+            <a:r>
+              <a:rPr lang="en-US" dirty="0"/>
+              <a:t>Or run .</a:t>
+            </a:r>
+            <a:r>
+              <a:rPr lang="en-US" dirty="0" err="1"/>
+              <a:t>py</a:t>
+            </a:r>
+            <a:r>
+              <a:rPr lang="en-US" dirty="0"/>
+              <a:t> file in any IDE </a:t>
+            </a:r>
+          </a:p>
+          <a:p>
+            <a:endParaRPr lang="en-US" dirty="0"/>
+          </a:p>
+          <a:p>
+            <a:pPr marL="514350" indent="-514350">
+              <a:buAutoNum type="arabicPeriod"/>
+            </a:pPr>
+            <a:r>
+              <a:rPr lang="en-US" dirty="0"/>
+              <a:t>Select image file to analyze </a:t>
+            </a:r>
+          </a:p>
+          <a:p>
+            <a:pPr marL="514350" indent="-514350">
+              <a:buAutoNum type="arabicPeriod"/>
+            </a:pPr>
+            <a:r>
+              <a:rPr lang="en-US" dirty="0"/>
+              <a:t>Select ROI sets of the image</a:t>
+            </a:r>
+          </a:p>
+          <a:p>
+            <a:pPr marL="514350" indent="-514350">
+              <a:buAutoNum type="arabicPeriod"/>
+            </a:pPr>
+            <a:r>
+              <a:rPr lang="en-US" dirty="0"/>
+              <a:t>Select the folder to save results</a:t>
+            </a:r>
+          </a:p>
+          <a:p>
+            <a:pPr marL="514350" indent="-514350">
+              <a:buAutoNum type="arabicPeriod"/>
+            </a:pPr>
+            <a:r>
+              <a:rPr lang="en-US" dirty="0"/>
+              <a:t>Enter the length of the scale bar in </a:t>
+            </a:r>
+            <a:r>
+              <a:rPr lang="en-US" dirty="0">
+                <a:latin typeface="+mj-lt"/>
+              </a:rPr>
+              <a:t>micrometers (</a:t>
+            </a:r>
+            <a:r>
+              <a:rPr lang="en-US" b="0" i="0" dirty="0">
+                <a:effectLst/>
+                <a:latin typeface="+mj-lt"/>
+              </a:rPr>
+              <a:t>µm)</a:t>
+            </a:r>
+          </a:p>
+          <a:p>
+            <a:pPr marL="0" indent="0">
+              <a:buNone/>
+            </a:pPr>
+            <a:endParaRPr lang="en-US" dirty="0"/>
+          </a:p>
+        </p:txBody>
+      </p:sp>
+      <p:sp>
+        <p:nvSpPr>
+          <p:cNvPr id="4" name="Title 1">
+            <a:extLst>
+              <a:ext uri="{FF2B5EF4-FFF2-40B4-BE49-F238E27FC236}">
+                <a16:creationId xmlns:a16="http://schemas.microsoft.com/office/drawing/2014/main" id="{B49E4E76-BDC1-24BD-7FC5-34C4BCDEC569}"/>
+              </a:ext>
+            </a:extLst>
+          </p:cNvPr>
+          <p:cNvSpPr>
+            <a:spLocks noGrp="1"/>
+          </p:cNvSpPr>
+          <p:nvPr>
+            <p:ph type="title"/>
+          </p:nvPr>
+        </p:nvSpPr>
+        <p:spPr>
+          <a:xfrm>
+            <a:off x="838200" y="365125"/>
+            <a:ext cx="10515600" cy="1325563"/>
+          </a:xfrm>
+        </p:spPr>
+        <p:txBody>
+          <a:bodyPr/>
+          <a:lstStyle/>
+          <a:p>
+            <a:r>
+              <a:rPr lang="en-US" dirty="0"/>
+              <a:t>How to run through Python environment</a:t>
+            </a:r>
+          </a:p>
+        </p:txBody>
+      </p:sp>
+    </p:spTree>
+    <p:extLst>
+      <p:ext uri="{BB962C8B-B14F-4D97-AF65-F5344CB8AC3E}">
+        <p14:creationId xmlns:p14="http://schemas.microsoft.com/office/powerpoint/2010/main" val="1510208570"/>
       </p:ext>
     </p:extLst>
   </p:cSld>
@@ -4115,9 +4732,9 @@
         <a:srgbClr val="96607D"/>
       </a:folHlink>
     </a:clrScheme>
-    <a:fontScheme name="Custom 2">
+    <a:fontScheme name="Custom 3">
       <a:majorFont>
-        <a:latin typeface="airal"/>
+        <a:latin typeface="Arial"/>
         <a:ea typeface="맑은 고딕"/>
         <a:cs typeface=""/>
       </a:majorFont>
